--- a/2021년 10월 2일 도면해석자동화.pptx
+++ b/2021년 10월 2일 도면해석자동화.pptx
@@ -120,7 +120,7 @@
   </p:defaultTextStyle>
   <p:extLst>
     <p:ext uri="{EFAFB233-063F-42B5-8137-9DF3F51BA10A}">
-      <p15:sldGuideLst xmlns:p15="http://schemas.microsoft.com/office/powerpoint/2012/main" xmlns="">
+      <p15:sldGuideLst xmlns="" xmlns:p15="http://schemas.microsoft.com/office/powerpoint/2012/main">
         <p15:guide id="1" orient="horz" pos="2183" userDrawn="1">
           <p15:clr>
             <a:srgbClr val="A4A3A4"/>
@@ -220,7 +220,7 @@
             <a:fld id="{6A362C80-AE36-4E76-B3A2-B93715BD75DF}" type="datetimeFigureOut">
               <a:rPr lang="ko-KR" altLang="en-US" smtClean="0"/>
               <a:pPr/>
-              <a:t>2021-10-01</a:t>
+              <a:t>2021-10-02</a:t>
             </a:fld>
             <a:endParaRPr lang="ko-KR" altLang="en-US"/>
           </a:p>
@@ -616,7 +616,7 @@
             <a:fld id="{3AC7D0C1-D5FE-48CB-AEB6-E9E3D1C2E343}" type="datetimeFigureOut">
               <a:rPr lang="ko-KR" altLang="en-US" smtClean="0"/>
               <a:pPr/>
-              <a:t>2021-10-01</a:t>
+              <a:t>2021-10-02</a:t>
             </a:fld>
             <a:endParaRPr lang="ko-KR" altLang="en-US"/>
           </a:p>
@@ -668,7 +668,7 @@
     </p:spTree>
     <p:extLst>
       <p:ext uri="{BB962C8B-B14F-4D97-AF65-F5344CB8AC3E}">
-        <p14:creationId xmlns:p14="http://schemas.microsoft.com/office/powerpoint/2010/main" xmlns="" val="1823638458"/>
+        <p14:creationId xmlns="" xmlns:p14="http://schemas.microsoft.com/office/powerpoint/2010/main" val="1823638458"/>
       </p:ext>
     </p:extLst>
   </p:cSld>
@@ -786,7 +786,7 @@
             <a:fld id="{3AC7D0C1-D5FE-48CB-AEB6-E9E3D1C2E343}" type="datetimeFigureOut">
               <a:rPr lang="ko-KR" altLang="en-US" smtClean="0"/>
               <a:pPr/>
-              <a:t>2021-10-01</a:t>
+              <a:t>2021-10-02</a:t>
             </a:fld>
             <a:endParaRPr lang="ko-KR" altLang="en-US"/>
           </a:p>
@@ -838,7 +838,7 @@
     </p:spTree>
     <p:extLst>
       <p:ext uri="{BB962C8B-B14F-4D97-AF65-F5344CB8AC3E}">
-        <p14:creationId xmlns:p14="http://schemas.microsoft.com/office/powerpoint/2010/main" xmlns="" val="1781722897"/>
+        <p14:creationId xmlns="" xmlns:p14="http://schemas.microsoft.com/office/powerpoint/2010/main" val="1781722897"/>
       </p:ext>
     </p:extLst>
   </p:cSld>
@@ -966,7 +966,7 @@
             <a:fld id="{3AC7D0C1-D5FE-48CB-AEB6-E9E3D1C2E343}" type="datetimeFigureOut">
               <a:rPr lang="ko-KR" altLang="en-US" smtClean="0"/>
               <a:pPr/>
-              <a:t>2021-10-01</a:t>
+              <a:t>2021-10-02</a:t>
             </a:fld>
             <a:endParaRPr lang="ko-KR" altLang="en-US"/>
           </a:p>
@@ -1018,7 +1018,7 @@
     </p:spTree>
     <p:extLst>
       <p:ext uri="{BB962C8B-B14F-4D97-AF65-F5344CB8AC3E}">
-        <p14:creationId xmlns:p14="http://schemas.microsoft.com/office/powerpoint/2010/main" xmlns="" val="1329840432"/>
+        <p14:creationId xmlns="" xmlns:p14="http://schemas.microsoft.com/office/powerpoint/2010/main" val="1329840432"/>
       </p:ext>
     </p:extLst>
   </p:cSld>
@@ -1136,7 +1136,7 @@
             <a:fld id="{3AC7D0C1-D5FE-48CB-AEB6-E9E3D1C2E343}" type="datetimeFigureOut">
               <a:rPr lang="ko-KR" altLang="en-US" smtClean="0"/>
               <a:pPr/>
-              <a:t>2021-10-01</a:t>
+              <a:t>2021-10-02</a:t>
             </a:fld>
             <a:endParaRPr lang="ko-KR" altLang="en-US"/>
           </a:p>
@@ -1188,7 +1188,7 @@
     </p:spTree>
     <p:extLst>
       <p:ext uri="{BB962C8B-B14F-4D97-AF65-F5344CB8AC3E}">
-        <p14:creationId xmlns:p14="http://schemas.microsoft.com/office/powerpoint/2010/main" xmlns="" val="1416330142"/>
+        <p14:creationId xmlns="" xmlns:p14="http://schemas.microsoft.com/office/powerpoint/2010/main" val="1416330142"/>
       </p:ext>
     </p:extLst>
   </p:cSld>
@@ -1383,7 +1383,7 @@
             <a:fld id="{3AC7D0C1-D5FE-48CB-AEB6-E9E3D1C2E343}" type="datetimeFigureOut">
               <a:rPr lang="ko-KR" altLang="en-US" smtClean="0"/>
               <a:pPr/>
-              <a:t>2021-10-01</a:t>
+              <a:t>2021-10-02</a:t>
             </a:fld>
             <a:endParaRPr lang="ko-KR" altLang="en-US"/>
           </a:p>
@@ -1435,7 +1435,7 @@
     </p:spTree>
     <p:extLst>
       <p:ext uri="{BB962C8B-B14F-4D97-AF65-F5344CB8AC3E}">
-        <p14:creationId xmlns:p14="http://schemas.microsoft.com/office/powerpoint/2010/main" xmlns="" val="655722256"/>
+        <p14:creationId xmlns="" xmlns:p14="http://schemas.microsoft.com/office/powerpoint/2010/main" val="655722256"/>
       </p:ext>
     </p:extLst>
   </p:cSld>
@@ -1614,7 +1614,7 @@
             <a:fld id="{3AC7D0C1-D5FE-48CB-AEB6-E9E3D1C2E343}" type="datetimeFigureOut">
               <a:rPr lang="ko-KR" altLang="en-US" smtClean="0"/>
               <a:pPr/>
-              <a:t>2021-10-01</a:t>
+              <a:t>2021-10-02</a:t>
             </a:fld>
             <a:endParaRPr lang="ko-KR" altLang="en-US"/>
           </a:p>
@@ -1666,7 +1666,7 @@
     </p:spTree>
     <p:extLst>
       <p:ext uri="{BB962C8B-B14F-4D97-AF65-F5344CB8AC3E}">
-        <p14:creationId xmlns:p14="http://schemas.microsoft.com/office/powerpoint/2010/main" xmlns="" val="459837990"/>
+        <p14:creationId xmlns="" xmlns:p14="http://schemas.microsoft.com/office/powerpoint/2010/main" val="459837990"/>
       </p:ext>
     </p:extLst>
   </p:cSld>
@@ -1980,7 +1980,7 @@
             <a:fld id="{3AC7D0C1-D5FE-48CB-AEB6-E9E3D1C2E343}" type="datetimeFigureOut">
               <a:rPr lang="ko-KR" altLang="en-US" smtClean="0"/>
               <a:pPr/>
-              <a:t>2021-10-01</a:t>
+              <a:t>2021-10-02</a:t>
             </a:fld>
             <a:endParaRPr lang="ko-KR" altLang="en-US"/>
           </a:p>
@@ -2032,7 +2032,7 @@
     </p:spTree>
     <p:extLst>
       <p:ext uri="{BB962C8B-B14F-4D97-AF65-F5344CB8AC3E}">
-        <p14:creationId xmlns:p14="http://schemas.microsoft.com/office/powerpoint/2010/main" xmlns="" val="2641639093"/>
+        <p14:creationId xmlns="" xmlns:p14="http://schemas.microsoft.com/office/powerpoint/2010/main" val="2641639093"/>
       </p:ext>
     </p:extLst>
   </p:cSld>
@@ -2099,7 +2099,7 @@
             <a:fld id="{3AC7D0C1-D5FE-48CB-AEB6-E9E3D1C2E343}" type="datetimeFigureOut">
               <a:rPr lang="ko-KR" altLang="en-US" smtClean="0"/>
               <a:pPr/>
-              <a:t>2021-10-01</a:t>
+              <a:t>2021-10-02</a:t>
             </a:fld>
             <a:endParaRPr lang="ko-KR" altLang="en-US"/>
           </a:p>
@@ -2151,7 +2151,7 @@
     </p:spTree>
     <p:extLst>
       <p:ext uri="{BB962C8B-B14F-4D97-AF65-F5344CB8AC3E}">
-        <p14:creationId xmlns:p14="http://schemas.microsoft.com/office/powerpoint/2010/main" xmlns="" val="217537536"/>
+        <p14:creationId xmlns="" xmlns:p14="http://schemas.microsoft.com/office/powerpoint/2010/main" val="217537536"/>
       </p:ext>
     </p:extLst>
   </p:cSld>
@@ -2196,7 +2196,7 @@
             <a:fld id="{3AC7D0C1-D5FE-48CB-AEB6-E9E3D1C2E343}" type="datetimeFigureOut">
               <a:rPr lang="ko-KR" altLang="en-US" smtClean="0"/>
               <a:pPr/>
-              <a:t>2021-10-01</a:t>
+              <a:t>2021-10-02</a:t>
             </a:fld>
             <a:endParaRPr lang="ko-KR" altLang="en-US"/>
           </a:p>
@@ -2248,7 +2248,7 @@
     </p:spTree>
     <p:extLst>
       <p:ext uri="{BB962C8B-B14F-4D97-AF65-F5344CB8AC3E}">
-        <p14:creationId xmlns:p14="http://schemas.microsoft.com/office/powerpoint/2010/main" xmlns="" val="952981668"/>
+        <p14:creationId xmlns="" xmlns:p14="http://schemas.microsoft.com/office/powerpoint/2010/main" val="952981668"/>
       </p:ext>
     </p:extLst>
   </p:cSld>
@@ -2473,7 +2473,7 @@
             <a:fld id="{3AC7D0C1-D5FE-48CB-AEB6-E9E3D1C2E343}" type="datetimeFigureOut">
               <a:rPr lang="ko-KR" altLang="en-US" smtClean="0"/>
               <a:pPr/>
-              <a:t>2021-10-01</a:t>
+              <a:t>2021-10-02</a:t>
             </a:fld>
             <a:endParaRPr lang="ko-KR" altLang="en-US"/>
           </a:p>
@@ -2525,7 +2525,7 @@
     </p:spTree>
     <p:extLst>
       <p:ext uri="{BB962C8B-B14F-4D97-AF65-F5344CB8AC3E}">
-        <p14:creationId xmlns:p14="http://schemas.microsoft.com/office/powerpoint/2010/main" xmlns="" val="2227975819"/>
+        <p14:creationId xmlns="" xmlns:p14="http://schemas.microsoft.com/office/powerpoint/2010/main" val="2227975819"/>
       </p:ext>
     </p:extLst>
   </p:cSld>
@@ -2727,7 +2727,7 @@
             <a:fld id="{3AC7D0C1-D5FE-48CB-AEB6-E9E3D1C2E343}" type="datetimeFigureOut">
               <a:rPr lang="ko-KR" altLang="en-US" smtClean="0"/>
               <a:pPr/>
-              <a:t>2021-10-01</a:t>
+              <a:t>2021-10-02</a:t>
             </a:fld>
             <a:endParaRPr lang="ko-KR" altLang="en-US"/>
           </a:p>
@@ -2779,7 +2779,7 @@
     </p:spTree>
     <p:extLst>
       <p:ext uri="{BB962C8B-B14F-4D97-AF65-F5344CB8AC3E}">
-        <p14:creationId xmlns:p14="http://schemas.microsoft.com/office/powerpoint/2010/main" xmlns="" val="3028947436"/>
+        <p14:creationId xmlns="" xmlns:p14="http://schemas.microsoft.com/office/powerpoint/2010/main" val="3028947436"/>
       </p:ext>
     </p:extLst>
   </p:cSld>
@@ -2940,7 +2940,7 @@
             <a:fld id="{3AC7D0C1-D5FE-48CB-AEB6-E9E3D1C2E343}" type="datetimeFigureOut">
               <a:rPr lang="ko-KR" altLang="en-US" smtClean="0"/>
               <a:pPr/>
-              <a:t>2021-10-01</a:t>
+              <a:t>2021-10-02</a:t>
             </a:fld>
             <a:endParaRPr lang="ko-KR" altLang="en-US"/>
           </a:p>
@@ -3030,7 +3030,7 @@
           <p:cNvPr id="7" name="TextBox 6">
             <a:extLst>
               <a:ext uri="{FF2B5EF4-FFF2-40B4-BE49-F238E27FC236}">
-                <a16:creationId xmlns:a16="http://schemas.microsoft.com/office/drawing/2014/main" xmlns="" id="{691811B0-B48E-441A-87FD-055ECECA2FB0}"/>
+                <a16:creationId xmlns="" xmlns:a16="http://schemas.microsoft.com/office/drawing/2014/main" id="{691811B0-B48E-441A-87FD-055ECECA2FB0}"/>
               </a:ext>
             </a:extLst>
           </p:cNvPr>
@@ -3075,7 +3075,7 @@
     </p:spTree>
     <p:extLst>
       <p:ext uri="{BB962C8B-B14F-4D97-AF65-F5344CB8AC3E}">
-        <p14:creationId xmlns:p14="http://schemas.microsoft.com/office/powerpoint/2010/main" xmlns="" val="3455661240"/>
+        <p14:creationId xmlns="" xmlns:p14="http://schemas.microsoft.com/office/powerpoint/2010/main" val="3455661240"/>
       </p:ext>
     </p:extLst>
   </p:cSld>
@@ -3405,7 +3405,7 @@
           <a:blip r:embed="rId2" cstate="print">
             <a:extLst>
               <a:ext uri="{28A0092B-C50C-407E-A947-70E740481C1C}">
-                <a14:useLocalDpi xmlns:a14="http://schemas.microsoft.com/office/drawing/2010/main" xmlns="" val="0"/>
+                <a14:useLocalDpi xmlns="" xmlns:a14="http://schemas.microsoft.com/office/drawing/2010/main" val="0"/>
               </a:ext>
             </a:extLst>
           </a:blip>
@@ -3651,7 +3651,7 @@
     </p:spTree>
     <p:extLst>
       <p:ext uri="{BB962C8B-B14F-4D97-AF65-F5344CB8AC3E}">
-        <p14:creationId xmlns:p14="http://schemas.microsoft.com/office/powerpoint/2010/main" xmlns="" val="2239986084"/>
+        <p14:creationId xmlns="" xmlns:p14="http://schemas.microsoft.com/office/powerpoint/2010/main" val="2239986084"/>
       </p:ext>
     </p:extLst>
   </p:cSld>
@@ -3967,7 +3967,7 @@
           <p:cNvPr id="26" name="TextBox 25">
             <a:extLst>
               <a:ext uri="{FF2B5EF4-FFF2-40B4-BE49-F238E27FC236}">
-                <a16:creationId xmlns="" xmlns:a16="http://schemas.microsoft.com/office/drawing/2014/main" id="{D521CD57-7D52-4085-AA67-6293BD236F8A}"/>
+                <a16:creationId xmlns:a16="http://schemas.microsoft.com/office/drawing/2014/main" xmlns="" id="{D521CD57-7D52-4085-AA67-6293BD236F8A}"/>
               </a:ext>
             </a:extLst>
           </p:cNvPr>
@@ -4372,7 +4372,7 @@
     </p:spTree>
     <p:extLst>
       <p:ext uri="{BB962C8B-B14F-4D97-AF65-F5344CB8AC3E}">
-        <p14:creationId xmlns:p14="http://schemas.microsoft.com/office/powerpoint/2010/main" xmlns="" val="3168494829"/>
+        <p14:creationId xmlns="" xmlns:p14="http://schemas.microsoft.com/office/powerpoint/2010/main" val="3168494829"/>
       </p:ext>
     </p:extLst>
   </p:cSld>
@@ -4976,7 +4976,7 @@
     </p:spTree>
     <p:extLst>
       <p:ext uri="{BB962C8B-B14F-4D97-AF65-F5344CB8AC3E}">
-        <p14:creationId xmlns:p14="http://schemas.microsoft.com/office/powerpoint/2010/main" xmlns="" val="2689856561"/>
+        <p14:creationId xmlns="" xmlns:p14="http://schemas.microsoft.com/office/powerpoint/2010/main" val="2689856561"/>
       </p:ext>
     </p:extLst>
   </p:cSld>
@@ -5327,7 +5327,7 @@
     </p:spTree>
     <p:extLst>
       <p:ext uri="{BB962C8B-B14F-4D97-AF65-F5344CB8AC3E}">
-        <p14:creationId xmlns:p14="http://schemas.microsoft.com/office/powerpoint/2010/main" xmlns="" val="3168494829"/>
+        <p14:creationId xmlns="" xmlns:p14="http://schemas.microsoft.com/office/powerpoint/2010/main" val="3168494829"/>
       </p:ext>
     </p:extLst>
   </p:cSld>
@@ -5382,7 +5382,7 @@
           <a:blip r:embed="rId2" cstate="print">
             <a:extLst>
               <a:ext uri="{28A0092B-C50C-407E-A947-70E740481C1C}">
-                <a14:useLocalDpi xmlns:a14="http://schemas.microsoft.com/office/drawing/2010/main" xmlns="" val="0"/>
+                <a14:useLocalDpi xmlns="" xmlns:a14="http://schemas.microsoft.com/office/drawing/2010/main" val="0"/>
               </a:ext>
             </a:extLst>
           </a:blip>
@@ -6065,7 +6065,7 @@
     </p:spTree>
     <p:extLst>
       <p:ext uri="{BB962C8B-B14F-4D97-AF65-F5344CB8AC3E}">
-        <p14:creationId xmlns:p14="http://schemas.microsoft.com/office/powerpoint/2010/main" xmlns="" val="2240109207"/>
+        <p14:creationId xmlns="" xmlns:p14="http://schemas.microsoft.com/office/powerpoint/2010/main" val="2240109207"/>
       </p:ext>
     </p:extLst>
   </p:cSld>
@@ -6653,7 +6653,7 @@
     </p:spTree>
     <p:extLst>
       <p:ext uri="{BB962C8B-B14F-4D97-AF65-F5344CB8AC3E}">
-        <p14:creationId xmlns:p14="http://schemas.microsoft.com/office/powerpoint/2010/main" xmlns="" val="2689856561"/>
+        <p14:creationId xmlns="" xmlns:p14="http://schemas.microsoft.com/office/powerpoint/2010/main" val="2689856561"/>
       </p:ext>
     </p:extLst>
   </p:cSld>
@@ -6897,7 +6897,7 @@
           <p:cNvPr id="16" name="TextBox 15">
             <a:extLst>
               <a:ext uri="{FF2B5EF4-FFF2-40B4-BE49-F238E27FC236}">
-                <a16:creationId xmlns="" xmlns:a16="http://schemas.microsoft.com/office/drawing/2014/main" id="{D521CD57-7D52-4085-AA67-6293BD236F8A}"/>
+                <a16:creationId xmlns:a16="http://schemas.microsoft.com/office/drawing/2014/main" xmlns="" id="{D521CD57-7D52-4085-AA67-6293BD236F8A}"/>
               </a:ext>
             </a:extLst>
           </p:cNvPr>
@@ -6964,7 +6964,7 @@
           <p:cNvPr id="18" name="TextBox 17">
             <a:extLst>
               <a:ext uri="{FF2B5EF4-FFF2-40B4-BE49-F238E27FC236}">
-                <a16:creationId xmlns="" xmlns:a16="http://schemas.microsoft.com/office/drawing/2014/main" id="{D521CD57-7D52-4085-AA67-6293BD236F8A}"/>
+                <a16:creationId xmlns:a16="http://schemas.microsoft.com/office/drawing/2014/main" xmlns="" id="{D521CD57-7D52-4085-AA67-6293BD236F8A}"/>
               </a:ext>
             </a:extLst>
           </p:cNvPr>
@@ -7216,7 +7216,7 @@
     </p:spTree>
     <p:extLst>
       <p:ext uri="{BB962C8B-B14F-4D97-AF65-F5344CB8AC3E}">
-        <p14:creationId xmlns:p14="http://schemas.microsoft.com/office/powerpoint/2010/main" xmlns="" val="3168494829"/>
+        <p14:creationId xmlns="" xmlns:p14="http://schemas.microsoft.com/office/powerpoint/2010/main" val="3168494829"/>
       </p:ext>
     </p:extLst>
   </p:cSld>
@@ -7460,7 +7460,7 @@
           <p:cNvPr id="16" name="TextBox 15">
             <a:extLst>
               <a:ext uri="{FF2B5EF4-FFF2-40B4-BE49-F238E27FC236}">
-                <a16:creationId xmlns="" xmlns:a16="http://schemas.microsoft.com/office/drawing/2014/main" id="{D521CD57-7D52-4085-AA67-6293BD236F8A}"/>
+                <a16:creationId xmlns:a16="http://schemas.microsoft.com/office/drawing/2014/main" xmlns="" id="{D521CD57-7D52-4085-AA67-6293BD236F8A}"/>
               </a:ext>
             </a:extLst>
           </p:cNvPr>
@@ -7527,7 +7527,7 @@
           <p:cNvPr id="18" name="TextBox 17">
             <a:extLst>
               <a:ext uri="{FF2B5EF4-FFF2-40B4-BE49-F238E27FC236}">
-                <a16:creationId xmlns="" xmlns:a16="http://schemas.microsoft.com/office/drawing/2014/main" id="{D521CD57-7D52-4085-AA67-6293BD236F8A}"/>
+                <a16:creationId xmlns:a16="http://schemas.microsoft.com/office/drawing/2014/main" xmlns="" id="{D521CD57-7D52-4085-AA67-6293BD236F8A}"/>
               </a:ext>
             </a:extLst>
           </p:cNvPr>
@@ -7903,7 +7903,7 @@
     </p:spTree>
     <p:extLst>
       <p:ext uri="{BB962C8B-B14F-4D97-AF65-F5344CB8AC3E}">
-        <p14:creationId xmlns:p14="http://schemas.microsoft.com/office/powerpoint/2010/main" xmlns="" val="3168494829"/>
+        <p14:creationId xmlns="" xmlns:p14="http://schemas.microsoft.com/office/powerpoint/2010/main" val="3168494829"/>
       </p:ext>
     </p:extLst>
   </p:cSld>
@@ -8298,7 +8298,7 @@
           <p:cNvPr id="17" name="TextBox 16">
             <a:extLst>
               <a:ext uri="{FF2B5EF4-FFF2-40B4-BE49-F238E27FC236}">
-                <a16:creationId xmlns="" xmlns:a16="http://schemas.microsoft.com/office/drawing/2014/main" id="{D521CD57-7D52-4085-AA67-6293BD236F8A}"/>
+                <a16:creationId xmlns:a16="http://schemas.microsoft.com/office/drawing/2014/main" xmlns="" id="{D521CD57-7D52-4085-AA67-6293BD236F8A}"/>
               </a:ext>
             </a:extLst>
           </p:cNvPr>
@@ -8400,7 +8400,7 @@
     </p:spTree>
     <p:extLst>
       <p:ext uri="{BB962C8B-B14F-4D97-AF65-F5344CB8AC3E}">
-        <p14:creationId xmlns:p14="http://schemas.microsoft.com/office/powerpoint/2010/main" xmlns="" val="3168494829"/>
+        <p14:creationId xmlns="" xmlns:p14="http://schemas.microsoft.com/office/powerpoint/2010/main" val="3168494829"/>
       </p:ext>
     </p:extLst>
   </p:cSld>
@@ -8647,7 +8647,7 @@
           <p:cNvPr id="16" name="TextBox 15">
             <a:extLst>
               <a:ext uri="{FF2B5EF4-FFF2-40B4-BE49-F238E27FC236}">
-                <a16:creationId xmlns="" xmlns:a16="http://schemas.microsoft.com/office/drawing/2014/main" id="{D521CD57-7D52-4085-AA67-6293BD236F8A}"/>
+                <a16:creationId xmlns:a16="http://schemas.microsoft.com/office/drawing/2014/main" xmlns="" id="{D521CD57-7D52-4085-AA67-6293BD236F8A}"/>
               </a:ext>
             </a:extLst>
           </p:cNvPr>
@@ -8714,7 +8714,7 @@
           <p:cNvPr id="18" name="TextBox 17">
             <a:extLst>
               <a:ext uri="{FF2B5EF4-FFF2-40B4-BE49-F238E27FC236}">
-                <a16:creationId xmlns="" xmlns:a16="http://schemas.microsoft.com/office/drawing/2014/main" id="{D521CD57-7D52-4085-AA67-6293BD236F8A}"/>
+                <a16:creationId xmlns:a16="http://schemas.microsoft.com/office/drawing/2014/main" xmlns="" id="{D521CD57-7D52-4085-AA67-6293BD236F8A}"/>
               </a:ext>
             </a:extLst>
           </p:cNvPr>
@@ -8882,7 +8882,14 @@
                 <a:latin typeface="210 옴니고딕 030" panose="02020603020101020101" pitchFamily="18" charset="-127"/>
                 <a:ea typeface="210 옴니고딕 030" panose="02020603020101020101" pitchFamily="18" charset="-127"/>
               </a:rPr>
-              <a:t>보라색선과 보라색 선과 </a:t>
+              <a:t>보라색 </a:t>
+            </a:r>
+            <a:r>
+              <a:rPr lang="ko-KR" altLang="en-US" b="1" dirty="0" smtClean="0">
+                <a:latin typeface="210 옴니고딕 030" panose="02020603020101020101" pitchFamily="18" charset="-127"/>
+                <a:ea typeface="210 옴니고딕 030" panose="02020603020101020101" pitchFamily="18" charset="-127"/>
+              </a:rPr>
+              <a:t>선과 </a:t>
             </a:r>
             <a:r>
               <a:rPr lang="en-US" altLang="ko-KR" b="1" dirty="0" smtClean="0">
@@ -9216,7 +9223,7 @@
     </p:spTree>
     <p:extLst>
       <p:ext uri="{BB962C8B-B14F-4D97-AF65-F5344CB8AC3E}">
-        <p14:creationId xmlns:p14="http://schemas.microsoft.com/office/powerpoint/2010/main" xmlns="" val="3168494829"/>
+        <p14:creationId xmlns="" xmlns:p14="http://schemas.microsoft.com/office/powerpoint/2010/main" val="3168494829"/>
       </p:ext>
     </p:extLst>
   </p:cSld>
@@ -9463,7 +9470,7 @@
           <p:cNvPr id="16" name="TextBox 15">
             <a:extLst>
               <a:ext uri="{FF2B5EF4-FFF2-40B4-BE49-F238E27FC236}">
-                <a16:creationId xmlns="" xmlns:a16="http://schemas.microsoft.com/office/drawing/2014/main" id="{D521CD57-7D52-4085-AA67-6293BD236F8A}"/>
+                <a16:creationId xmlns:a16="http://schemas.microsoft.com/office/drawing/2014/main" xmlns="" id="{D521CD57-7D52-4085-AA67-6293BD236F8A}"/>
               </a:ext>
             </a:extLst>
           </p:cNvPr>
@@ -9544,7 +9551,7 @@
           <p:cNvPr id="18" name="TextBox 17">
             <a:extLst>
               <a:ext uri="{FF2B5EF4-FFF2-40B4-BE49-F238E27FC236}">
-                <a16:creationId xmlns="" xmlns:a16="http://schemas.microsoft.com/office/drawing/2014/main" id="{D521CD57-7D52-4085-AA67-6293BD236F8A}"/>
+                <a16:creationId xmlns:a16="http://schemas.microsoft.com/office/drawing/2014/main" xmlns="" id="{D521CD57-7D52-4085-AA67-6293BD236F8A}"/>
               </a:ext>
             </a:extLst>
           </p:cNvPr>
@@ -9871,7 +9878,7 @@
     </p:spTree>
     <p:extLst>
       <p:ext uri="{BB962C8B-B14F-4D97-AF65-F5344CB8AC3E}">
-        <p14:creationId xmlns:p14="http://schemas.microsoft.com/office/powerpoint/2010/main" xmlns="" val="3168494829"/>
+        <p14:creationId xmlns="" xmlns:p14="http://schemas.microsoft.com/office/powerpoint/2010/main" val="3168494829"/>
       </p:ext>
     </p:extLst>
   </p:cSld>
@@ -10089,7 +10096,7 @@
           <p:cNvPr id="16" name="TextBox 15">
             <a:extLst>
               <a:ext uri="{FF2B5EF4-FFF2-40B4-BE49-F238E27FC236}">
-                <a16:creationId xmlns="" xmlns:a16="http://schemas.microsoft.com/office/drawing/2014/main" id="{D521CD57-7D52-4085-AA67-6293BD236F8A}"/>
+                <a16:creationId xmlns:a16="http://schemas.microsoft.com/office/drawing/2014/main" xmlns="" id="{D521CD57-7D52-4085-AA67-6293BD236F8A}"/>
               </a:ext>
             </a:extLst>
           </p:cNvPr>
@@ -10170,7 +10177,7 @@
           <p:cNvPr id="10" name="TextBox 9">
             <a:extLst>
               <a:ext uri="{FF2B5EF4-FFF2-40B4-BE49-F238E27FC236}">
-                <a16:creationId xmlns="" xmlns:a16="http://schemas.microsoft.com/office/drawing/2014/main" id="{D521CD57-7D52-4085-AA67-6293BD236F8A}"/>
+                <a16:creationId xmlns:a16="http://schemas.microsoft.com/office/drawing/2014/main" xmlns="" id="{D521CD57-7D52-4085-AA67-6293BD236F8A}"/>
               </a:ext>
             </a:extLst>
           </p:cNvPr>
@@ -10497,7 +10504,7 @@
           <p:cNvPr id="13" name="TextBox 12">
             <a:extLst>
               <a:ext uri="{FF2B5EF4-FFF2-40B4-BE49-F238E27FC236}">
-                <a16:creationId xmlns="" xmlns:a16="http://schemas.microsoft.com/office/drawing/2014/main" id="{D521CD57-7D52-4085-AA67-6293BD236F8A}"/>
+                <a16:creationId xmlns:a16="http://schemas.microsoft.com/office/drawing/2014/main" xmlns="" id="{D521CD57-7D52-4085-AA67-6293BD236F8A}"/>
               </a:ext>
             </a:extLst>
           </p:cNvPr>
@@ -10829,7 +10836,7 @@
     </p:spTree>
     <p:extLst>
       <p:ext uri="{BB962C8B-B14F-4D97-AF65-F5344CB8AC3E}">
-        <p14:creationId xmlns:p14="http://schemas.microsoft.com/office/powerpoint/2010/main" xmlns="" val="3168494829"/>
+        <p14:creationId xmlns="" xmlns:p14="http://schemas.microsoft.com/office/powerpoint/2010/main" val="3168494829"/>
       </p:ext>
     </p:extLst>
   </p:cSld>
@@ -11075,7 +11082,7 @@
   <a:extraClrSchemeLst/>
   <a:extLst>
     <a:ext uri="{05A4C25C-085E-4340-85A3-A5531E510DB2}">
-      <thm15:themeFamily xmlns:thm15="http://schemas.microsoft.com/office/thememl/2012/main" xmlns="" name="Office Theme" id="{62F939B6-93AF-4DB8-9C6B-D6C7DFDC589F}" vid="{4A3C46E8-61CC-4603-A589-7422A47A8E4A}"/>
+      <thm15:themeFamily xmlns="" xmlns:thm15="http://schemas.microsoft.com/office/thememl/2012/main" name="Office Theme" id="{62F939B6-93AF-4DB8-9C6B-D6C7DFDC589F}" vid="{4A3C46E8-61CC-4603-A589-7422A47A8E4A}"/>
     </a:ext>
   </a:extLst>
 </a:theme>
